--- a/Powerpoint/SoulPactum magyar.pptx
+++ b/Powerpoint/SoulPactum magyar.pptx
@@ -120,6 +120,11 @@
       </a:defRPr>
     </a:lvl9pPr>
   </p:defaultTextStyle>
+  <p:extLst>
+    <p:ext uri="{EFAFB233-063F-42B5-8137-9DF3F51BA10A}">
+      <p15:sldGuideLst xmlns:p15="http://schemas.microsoft.com/office/powerpoint/2012/main"/>
+    </p:ext>
+  </p:extLst>
 </p:presentation>
 </file>
 
@@ -205,7 +210,7 @@
           <a:p>
             <a:fld id="{59AEC1C2-79A1-4032-BAF2-A3738C57242D}" type="datetimeFigureOut">
               <a:rPr lang="hu-HU" smtClean="0"/>
-              <a:t>2024. 04. 11.</a:t>
+              <a:t>2024. 04. 22.</a:t>
             </a:fld>
             <a:endParaRPr lang="hu-HU"/>
           </a:p>
@@ -703,7 +708,7 @@
           <a:p>
             <a:fld id="{5CF7988D-9792-4BB0-8594-AD9B23CCF984}" type="datetimeFigureOut">
               <a:rPr lang="hu-HU" smtClean="0"/>
-              <a:t>2024. 04. 11.</a:t>
+              <a:t>2024. 04. 22.</a:t>
             </a:fld>
             <a:endParaRPr lang="hu-HU"/>
           </a:p>
@@ -901,7 +906,7 @@
           <a:p>
             <a:fld id="{5CF7988D-9792-4BB0-8594-AD9B23CCF984}" type="datetimeFigureOut">
               <a:rPr lang="hu-HU" smtClean="0"/>
-              <a:t>2024. 04. 11.</a:t>
+              <a:t>2024. 04. 22.</a:t>
             </a:fld>
             <a:endParaRPr lang="hu-HU"/>
           </a:p>
@@ -1109,7 +1114,7 @@
           <a:p>
             <a:fld id="{5CF7988D-9792-4BB0-8594-AD9B23CCF984}" type="datetimeFigureOut">
               <a:rPr lang="hu-HU" smtClean="0"/>
-              <a:t>2024. 04. 11.</a:t>
+              <a:t>2024. 04. 22.</a:t>
             </a:fld>
             <a:endParaRPr lang="hu-HU"/>
           </a:p>
@@ -1307,7 +1312,7 @@
           <a:p>
             <a:fld id="{5CF7988D-9792-4BB0-8594-AD9B23CCF984}" type="datetimeFigureOut">
               <a:rPr lang="hu-HU" smtClean="0"/>
-              <a:t>2024. 04. 11.</a:t>
+              <a:t>2024. 04. 22.</a:t>
             </a:fld>
             <a:endParaRPr lang="hu-HU"/>
           </a:p>
@@ -1582,7 +1587,7 @@
           <a:p>
             <a:fld id="{5CF7988D-9792-4BB0-8594-AD9B23CCF984}" type="datetimeFigureOut">
               <a:rPr lang="hu-HU" smtClean="0"/>
-              <a:t>2024. 04. 11.</a:t>
+              <a:t>2024. 04. 22.</a:t>
             </a:fld>
             <a:endParaRPr lang="hu-HU"/>
           </a:p>
@@ -1847,7 +1852,7 @@
           <a:p>
             <a:fld id="{5CF7988D-9792-4BB0-8594-AD9B23CCF984}" type="datetimeFigureOut">
               <a:rPr lang="hu-HU" smtClean="0"/>
-              <a:t>2024. 04. 11.</a:t>
+              <a:t>2024. 04. 22.</a:t>
             </a:fld>
             <a:endParaRPr lang="hu-HU"/>
           </a:p>
@@ -2259,7 +2264,7 @@
           <a:p>
             <a:fld id="{5CF7988D-9792-4BB0-8594-AD9B23CCF984}" type="datetimeFigureOut">
               <a:rPr lang="hu-HU" smtClean="0"/>
-              <a:t>2024. 04. 11.</a:t>
+              <a:t>2024. 04. 22.</a:t>
             </a:fld>
             <a:endParaRPr lang="hu-HU"/>
           </a:p>
@@ -2400,7 +2405,7 @@
           <a:p>
             <a:fld id="{5CF7988D-9792-4BB0-8594-AD9B23CCF984}" type="datetimeFigureOut">
               <a:rPr lang="hu-HU" smtClean="0"/>
-              <a:t>2024. 04. 11.</a:t>
+              <a:t>2024. 04. 22.</a:t>
             </a:fld>
             <a:endParaRPr lang="hu-HU"/>
           </a:p>
@@ -2513,7 +2518,7 @@
           <a:p>
             <a:fld id="{5CF7988D-9792-4BB0-8594-AD9B23CCF984}" type="datetimeFigureOut">
               <a:rPr lang="hu-HU" smtClean="0"/>
-              <a:t>2024. 04. 11.</a:t>
+              <a:t>2024. 04. 22.</a:t>
             </a:fld>
             <a:endParaRPr lang="hu-HU"/>
           </a:p>
@@ -2824,7 +2829,7 @@
           <a:p>
             <a:fld id="{5CF7988D-9792-4BB0-8594-AD9B23CCF984}" type="datetimeFigureOut">
               <a:rPr lang="hu-HU" smtClean="0"/>
-              <a:t>2024. 04. 11.</a:t>
+              <a:t>2024. 04. 22.</a:t>
             </a:fld>
             <a:endParaRPr lang="hu-HU"/>
           </a:p>
@@ -3112,7 +3117,7 @@
           <a:p>
             <a:fld id="{5CF7988D-9792-4BB0-8594-AD9B23CCF984}" type="datetimeFigureOut">
               <a:rPr lang="hu-HU" smtClean="0"/>
-              <a:t>2024. 04. 11.</a:t>
+              <a:t>2024. 04. 22.</a:t>
             </a:fld>
             <a:endParaRPr lang="hu-HU"/>
           </a:p>
@@ -3374,7 +3379,7 @@
           <a:p>
             <a:fld id="{5CF7988D-9792-4BB0-8594-AD9B23CCF984}" type="datetimeFigureOut">
               <a:rPr lang="hu-HU" smtClean="0"/>
-              <a:t>2024. 04. 11.</a:t>
+              <a:t>2024. 04. 22.</a:t>
             </a:fld>
             <a:endParaRPr lang="hu-HU"/>
           </a:p>
@@ -4783,13 +4788,13 @@
   <p:clrMapOvr>
     <a:masterClrMapping/>
   </p:clrMapOvr>
-  <mc:AlternateContent xmlns:mc="http://schemas.openxmlformats.org/markup-compatibility/2006">
-    <mc:Choice xmlns:p15="http://schemas.microsoft.com/office/powerpoint/2012/main" Requires="p15">
+  <mc:AlternateContent xmlns:mc="http://schemas.openxmlformats.org/markup-compatibility/2006" xmlns:p15="http://schemas.microsoft.com/office/powerpoint/2012/main">
+    <mc:Choice Requires="p15">
       <p:transition xmlns:p14="http://schemas.microsoft.com/office/powerpoint/2010/main" spd="slow" p14:dur="6000">
         <p15:prstTrans prst="curtains"/>
       </p:transition>
     </mc:Choice>
-    <mc:Fallback>
+    <mc:Fallback xmlns="">
       <p:transition spd="slow">
         <p:fade/>
       </p:transition>
@@ -4927,7 +4932,7 @@
         </p:blipFill>
         <p:spPr>
           <a:xfrm>
-            <a:off x="3586578" y="2343705"/>
+            <a:off x="3412407" y="2251245"/>
             <a:ext cx="8480922" cy="4241630"/>
           </a:xfrm>
           <a:prstGeom prst="rect">
@@ -5462,7 +5467,12 @@
             <p:ph type="title"/>
           </p:nvPr>
         </p:nvSpPr>
-        <p:spPr/>
+        <p:spPr>
+          <a:xfrm>
+            <a:off x="5704114" y="365125"/>
+            <a:ext cx="5649686" cy="1325563"/>
+          </a:xfrm>
+        </p:spPr>
         <p:txBody>
           <a:bodyPr/>
           <a:lstStyle/>
@@ -5491,25 +5501,32 @@
             <p:ph idx="1"/>
           </p:nvPr>
         </p:nvSpPr>
-        <p:spPr/>
-        <p:txBody>
-          <a:bodyPr/>
-          <a:lstStyle/>
-          <a:p>
-            <a:r>
-              <a:rPr lang="hu-HU" dirty="0"/>
+        <p:spPr>
+          <a:xfrm>
+            <a:off x="243114" y="157261"/>
+            <a:ext cx="4343400" cy="2092453"/>
+          </a:xfrm>
+        </p:spPr>
+        <p:txBody>
+          <a:bodyPr>
+            <a:normAutofit lnSpcReduction="10000"/>
+          </a:bodyPr>
+          <a:lstStyle/>
+          <a:p>
+            <a:r>
+              <a:rPr lang="hu-HU" sz="2400" dirty="0"/>
               <a:t>Felsorolja a kiválasztott termékeket</a:t>
             </a:r>
           </a:p>
           <a:p>
             <a:r>
-              <a:rPr lang="hu-HU" dirty="0"/>
+              <a:rPr lang="hu-HU" sz="2400" dirty="0"/>
               <a:t>Fizetendő ár megjelenítés</a:t>
             </a:r>
           </a:p>
           <a:p>
             <a:r>
-              <a:rPr lang="hu-HU" dirty="0"/>
+              <a:rPr lang="hu-HU" sz="2400" dirty="0"/>
               <a:t>„Fizetés” gombra </a:t>
             </a:r>
           </a:p>
@@ -5518,7 +5535,7 @@
               <a:buNone/>
             </a:pPr>
             <a:r>
-              <a:rPr lang="hu-HU" dirty="0"/>
+              <a:rPr lang="hu-HU" sz="2400" dirty="0"/>
               <a:t>nyomva ki tudja fizetni </a:t>
             </a:r>
           </a:p>
@@ -5551,8 +5568,56 @@
         </p:blipFill>
         <p:spPr>
           <a:xfrm>
-            <a:off x="4892843" y="3114319"/>
-            <a:ext cx="6714085" cy="3062644"/>
+            <a:off x="5864001" y="1897678"/>
+            <a:ext cx="6021998" cy="3062644"/>
+          </a:xfrm>
+          <a:prstGeom prst="rect">
+            <a:avLst/>
+          </a:prstGeom>
+          <a:ln w="228600" cap="sq" cmpd="thickThin">
+            <a:solidFill>
+              <a:srgbClr val="000000"/>
+            </a:solidFill>
+            <a:prstDash val="solid"/>
+            <a:miter lim="800000"/>
+          </a:ln>
+          <a:effectLst>
+            <a:innerShdw blurRad="76200">
+              <a:srgbClr val="000000"/>
+            </a:innerShdw>
+          </a:effectLst>
+        </p:spPr>
+      </p:pic>
+      <p:pic>
+        <p:nvPicPr>
+          <p:cNvPr id="6" name="Picture 5" descr="A screenshot of a computer&#10;&#10;Description automatically generated">
+            <a:extLst>
+              <a:ext uri="{FF2B5EF4-FFF2-40B4-BE49-F238E27FC236}">
+                <a16:creationId xmlns:a16="http://schemas.microsoft.com/office/drawing/2014/main" id="{3B54774A-8C94-7BE0-FF0F-3166578F107E}"/>
+              </a:ext>
+            </a:extLst>
+          </p:cNvPr>
+          <p:cNvPicPr>
+            <a:picLocks noChangeAspect="1"/>
+          </p:cNvPicPr>
+          <p:nvPr/>
+        </p:nvPicPr>
+        <p:blipFill>
+          <a:blip r:embed="rId3">
+            <a:extLst>
+              <a:ext uri="{28A0092B-C50C-407E-A947-70E740481C1C}">
+                <a14:useLocalDpi xmlns:a14="http://schemas.microsoft.com/office/drawing/2010/main" val="0"/>
+              </a:ext>
+            </a:extLst>
+          </a:blip>
+          <a:stretch>
+            <a:fillRect/>
+          </a:stretch>
+        </p:blipFill>
+        <p:spPr>
+          <a:xfrm>
+            <a:off x="83227" y="2249714"/>
+            <a:ext cx="5620887" cy="4416969"/>
           </a:xfrm>
           <a:prstGeom prst="rect">
             <a:avLst/>
@@ -5635,10 +5700,10 @@
       </p:sp>
       <p:pic>
         <p:nvPicPr>
-          <p:cNvPr id="6" name="Tartalom helye 4" descr="A képen szöveg, képernyőkép, szoftver, Operációs rendszer látható&#10;&#10;Automatikusan generált leírás">
-            <a:extLst>
-              <a:ext uri="{FF2B5EF4-FFF2-40B4-BE49-F238E27FC236}">
-                <a16:creationId xmlns:a16="http://schemas.microsoft.com/office/drawing/2014/main" id="{16D0876B-328C-D51E-33BC-35D4BE9CCF8B}"/>
+          <p:cNvPr id="7" name="Content Placeholder 6" descr="A screenshot of a social media account&#10;&#10;Description automatically generated">
+            <a:extLst>
+              <a:ext uri="{FF2B5EF4-FFF2-40B4-BE49-F238E27FC236}">
+                <a16:creationId xmlns:a16="http://schemas.microsoft.com/office/drawing/2014/main" id="{ECB11237-CCEE-CE4E-906A-4F0DF0E95AA8}"/>
               </a:ext>
             </a:extLst>
           </p:cNvPr>
@@ -5649,7 +5714,7 @@
             <p:ph idx="1"/>
           </p:nvPr>
         </p:nvPicPr>
-        <p:blipFill rotWithShape="1">
+        <p:blipFill>
           <a:blip r:embed="rId2">
             <a:extLst>
               <a:ext uri="{28A0092B-C50C-407E-A947-70E740481C1C}">
@@ -5657,13 +5722,14 @@
               </a:ext>
             </a:extLst>
           </a:blip>
-          <a:srcRect l="19459" r="18533" b="49942"/>
-          <a:stretch/>
+          <a:stretch>
+            <a:fillRect/>
+          </a:stretch>
         </p:blipFill>
         <p:spPr>
           <a:xfrm>
-            <a:off x="838200" y="1863066"/>
-            <a:ext cx="10515600" cy="3987697"/>
+            <a:off x="1385506" y="1690688"/>
+            <a:ext cx="9420988" cy="4541308"/>
           </a:xfrm>
           <a:prstGeom prst="rect">
             <a:avLst/>
